--- a/week_11/발표자료/박지우_발표자료_200130.pptx
+++ b/week_11/발표자료/박지우_발표자료_200130.pptx
@@ -5,7 +5,7 @@
     <p:sldMasterId id="2147483716" r:id="rId1"/>
   </p:sldMasterIdLst>
   <p:notesMasterIdLst>
-    <p:notesMasterId r:id="rId31"/>
+    <p:notesMasterId r:id="rId30"/>
   </p:notesMasterIdLst>
   <p:sldIdLst>
     <p:sldId id="256" r:id="rId2"/>
@@ -25,18 +25,17 @@
     <p:sldId id="270" r:id="rId16"/>
     <p:sldId id="271" r:id="rId17"/>
     <p:sldId id="272" r:id="rId18"/>
-    <p:sldId id="273" r:id="rId19"/>
-    <p:sldId id="274" r:id="rId20"/>
-    <p:sldId id="275" r:id="rId21"/>
-    <p:sldId id="276" r:id="rId22"/>
-    <p:sldId id="277" r:id="rId23"/>
-    <p:sldId id="278" r:id="rId24"/>
-    <p:sldId id="279" r:id="rId25"/>
-    <p:sldId id="283" r:id="rId26"/>
-    <p:sldId id="284" r:id="rId27"/>
-    <p:sldId id="280" r:id="rId28"/>
-    <p:sldId id="281" r:id="rId29"/>
-    <p:sldId id="282" r:id="rId30"/>
+    <p:sldId id="285" r:id="rId19"/>
+    <p:sldId id="273" r:id="rId20"/>
+    <p:sldId id="274" r:id="rId21"/>
+    <p:sldId id="275" r:id="rId22"/>
+    <p:sldId id="286" r:id="rId23"/>
+    <p:sldId id="276" r:id="rId24"/>
+    <p:sldId id="277" r:id="rId25"/>
+    <p:sldId id="278" r:id="rId26"/>
+    <p:sldId id="279" r:id="rId27"/>
+    <p:sldId id="283" r:id="rId28"/>
+    <p:sldId id="284" r:id="rId29"/>
   </p:sldIdLst>
   <p:sldSz cx="12192000" cy="6858000"/>
   <p:notesSz cx="6858000" cy="9144000"/>
@@ -5975,10 +5974,10 @@
       </p:grpSpPr>
       <p:sp>
         <p:nvSpPr>
-          <p:cNvPr id="2" name="제목 1">
-            <a:extLst>
-              <a:ext uri="{FF2B5EF4-FFF2-40B4-BE49-F238E27FC236}">
-                <a16:creationId xmlns:a16="http://schemas.microsoft.com/office/drawing/2014/main" id="{3AA72168-E342-4FD7-AA78-ACE024A10BFC}"/>
+          <p:cNvPr id="4" name="제목 3">
+            <a:extLst>
+              <a:ext uri="{FF2B5EF4-FFF2-40B4-BE49-F238E27FC236}">
+                <a16:creationId xmlns:a16="http://schemas.microsoft.com/office/drawing/2014/main" id="{0AD98A71-EE24-42B8-9E38-D09C6C320E64}"/>
               </a:ext>
             </a:extLst>
           </p:cNvPr>
@@ -5986,7 +5985,7 @@
             <a:spLocks noGrp="1"/>
           </p:cNvSpPr>
           <p:nvPr>
-            <p:ph type="title"/>
+            <p:ph type="ctrTitle"/>
           </p:nvPr>
         </p:nvSpPr>
         <p:spPr/>
@@ -5995,18 +5994,55 @@
           <a:lstStyle/>
           <a:p>
             <a:r>
-              <a:rPr lang="ko-KR" altLang="en-US" dirty="0"/>
-              <a:t>코드</a:t>
-            </a:r>
+              <a:rPr lang="en-US" altLang="ko-KR" dirty="0"/>
+              <a:t>Code – convolutional layer</a:t>
+            </a:r>
+            <a:endParaRPr lang="ko-KR" altLang="en-US" dirty="0"/>
+          </a:p>
+        </p:txBody>
+      </p:sp>
+      <p:sp>
+        <p:nvSpPr>
+          <p:cNvPr id="2" name="TextBox 1">
+            <a:extLst>
+              <a:ext uri="{FF2B5EF4-FFF2-40B4-BE49-F238E27FC236}">
+                <a16:creationId xmlns:a16="http://schemas.microsoft.com/office/drawing/2014/main" id="{F5FEE212-655C-40F9-B2E1-EB723F8405FC}"/>
+              </a:ext>
+            </a:extLst>
+          </p:cNvPr>
+          <p:cNvSpPr txBox="1"/>
+          <p:nvPr/>
+        </p:nvSpPr>
+        <p:spPr>
+          <a:xfrm>
+            <a:off x="3575650" y="4437140"/>
+            <a:ext cx="2749471" cy="369332"/>
+          </a:xfrm>
+          <a:prstGeom prst="rect">
+            <a:avLst/>
+          </a:prstGeom>
+          <a:noFill/>
+        </p:spPr>
+        <p:txBody>
+          <a:bodyPr wrap="none" rtlCol="0">
+            <a:spAutoFit/>
+          </a:bodyPr>
+          <a:lstStyle/>
+          <a:p>
+            <a:r>
+              <a:rPr lang="en-US" altLang="ko-KR" dirty="0"/>
+              <a:t>Image -&gt; filter -&gt; pooling </a:t>
+            </a:r>
+            <a:endParaRPr lang="ko-KR" altLang="en-US" dirty="0"/>
           </a:p>
         </p:txBody>
       </p:sp>
       <p:pic>
         <p:nvPicPr>
-          <p:cNvPr id="17" name="그림 16">
-            <a:extLst>
-              <a:ext uri="{FF2B5EF4-FFF2-40B4-BE49-F238E27FC236}">
-                <a16:creationId xmlns:a16="http://schemas.microsoft.com/office/drawing/2014/main" id="{0D7389A0-88E7-4B7B-B667-2ADC80A84CB6}"/>
+          <p:cNvPr id="3" name="그림 2">
+            <a:extLst>
+              <a:ext uri="{FF2B5EF4-FFF2-40B4-BE49-F238E27FC236}">
+                <a16:creationId xmlns:a16="http://schemas.microsoft.com/office/drawing/2014/main" id="{2DEC8E04-89EB-4E0A-B432-71C720358D41}"/>
               </a:ext>
             </a:extLst>
           </p:cNvPr>
@@ -6023,8 +6059,8 @@
         </p:blipFill>
         <p:spPr>
           <a:xfrm>
-            <a:off x="609600" y="1671904"/>
-            <a:ext cx="9794466" cy="771685"/>
+            <a:off x="3830859" y="5074097"/>
+            <a:ext cx="1038225" cy="1245670"/>
           </a:xfrm>
           <a:prstGeom prst="rect">
             <a:avLst/>
@@ -6033,10 +6069,10 @@
       </p:pic>
       <p:pic>
         <p:nvPicPr>
-          <p:cNvPr id="18" name="그림 17">
-            <a:extLst>
-              <a:ext uri="{FF2B5EF4-FFF2-40B4-BE49-F238E27FC236}">
-                <a16:creationId xmlns:a16="http://schemas.microsoft.com/office/drawing/2014/main" id="{2D7EE507-5E77-4AEB-982C-14D745972220}"/>
+          <p:cNvPr id="5" name="그림 4">
+            <a:extLst>
+              <a:ext uri="{FF2B5EF4-FFF2-40B4-BE49-F238E27FC236}">
+                <a16:creationId xmlns:a16="http://schemas.microsoft.com/office/drawing/2014/main" id="{579204E5-A491-4900-87EB-34389C41DB85}"/>
               </a:ext>
             </a:extLst>
           </p:cNvPr>
@@ -6053,8 +6089,8 @@
         </p:blipFill>
         <p:spPr>
           <a:xfrm>
-            <a:off x="609600" y="2668050"/>
-            <a:ext cx="10289767" cy="400900"/>
+            <a:off x="5719808" y="5420707"/>
+            <a:ext cx="533400" cy="552450"/>
           </a:xfrm>
           <a:prstGeom prst="rect">
             <a:avLst/>
@@ -6063,10 +6099,10 @@
       </p:pic>
       <p:pic>
         <p:nvPicPr>
-          <p:cNvPr id="19" name="그림 18">
-            <a:extLst>
-              <a:ext uri="{FF2B5EF4-FFF2-40B4-BE49-F238E27FC236}">
-                <a16:creationId xmlns:a16="http://schemas.microsoft.com/office/drawing/2014/main" id="{989A409E-7239-4B29-8A7F-90359DC9194D}"/>
+          <p:cNvPr id="6" name="그림 5">
+            <a:extLst>
+              <a:ext uri="{FF2B5EF4-FFF2-40B4-BE49-F238E27FC236}">
+                <a16:creationId xmlns:a16="http://schemas.microsoft.com/office/drawing/2014/main" id="{618E44CD-78E7-43B1-93CD-043537B4E99F}"/>
               </a:ext>
             </a:extLst>
           </p:cNvPr>
@@ -6083,18 +6119,192 @@
         </p:blipFill>
         <p:spPr>
           <a:xfrm>
-            <a:off x="573843" y="3230415"/>
-            <a:ext cx="7703712" cy="747530"/>
+            <a:off x="6970197" y="5066537"/>
+            <a:ext cx="702845" cy="1001816"/>
           </a:xfrm>
           <a:prstGeom prst="rect">
             <a:avLst/>
           </a:prstGeom>
         </p:spPr>
       </p:pic>
+      <p:sp>
+        <p:nvSpPr>
+          <p:cNvPr id="7" name="TextBox 6">
+            <a:extLst>
+              <a:ext uri="{FF2B5EF4-FFF2-40B4-BE49-F238E27FC236}">
+                <a16:creationId xmlns:a16="http://schemas.microsoft.com/office/drawing/2014/main" id="{12E444B8-FFC2-435C-A210-E292A74406B7}"/>
+              </a:ext>
+            </a:extLst>
+          </p:cNvPr>
+          <p:cNvSpPr txBox="1"/>
+          <p:nvPr/>
+        </p:nvSpPr>
+        <p:spPr>
+          <a:xfrm>
+            <a:off x="3979265" y="6380503"/>
+            <a:ext cx="1005403" cy="369332"/>
+          </a:xfrm>
+          <a:prstGeom prst="rect">
+            <a:avLst/>
+          </a:prstGeom>
+          <a:noFill/>
+        </p:spPr>
+        <p:txBody>
+          <a:bodyPr wrap="none" rtlCol="0">
+            <a:spAutoFit/>
+          </a:bodyPr>
+          <a:lstStyle/>
+          <a:p>
+            <a:r>
+              <a:rPr lang="en-US" altLang="ko-KR" dirty="0"/>
+              <a:t>28*28*1</a:t>
+            </a:r>
+            <a:endParaRPr lang="ko-KR" altLang="en-US" dirty="0"/>
+          </a:p>
+        </p:txBody>
+      </p:sp>
+      <p:sp>
+        <p:nvSpPr>
+          <p:cNvPr id="8" name="TextBox 7">
+            <a:extLst>
+              <a:ext uri="{FF2B5EF4-FFF2-40B4-BE49-F238E27FC236}">
+                <a16:creationId xmlns:a16="http://schemas.microsoft.com/office/drawing/2014/main" id="{FE19C459-990A-4A40-895B-B6F66C577834}"/>
+              </a:ext>
+            </a:extLst>
+          </p:cNvPr>
+          <p:cNvSpPr txBox="1"/>
+          <p:nvPr/>
+        </p:nvSpPr>
+        <p:spPr>
+          <a:xfrm>
+            <a:off x="5650525" y="6376768"/>
+            <a:ext cx="748923" cy="369332"/>
+          </a:xfrm>
+          <a:prstGeom prst="rect">
+            <a:avLst/>
+          </a:prstGeom>
+          <a:noFill/>
+        </p:spPr>
+        <p:txBody>
+          <a:bodyPr wrap="none" rtlCol="0">
+            <a:spAutoFit/>
+          </a:bodyPr>
+          <a:lstStyle/>
+          <a:p>
+            <a:r>
+              <a:rPr lang="en-US" altLang="ko-KR" dirty="0"/>
+              <a:t>3*3*1</a:t>
+            </a:r>
+            <a:endParaRPr lang="ko-KR" altLang="en-US" dirty="0"/>
+          </a:p>
+        </p:txBody>
+      </p:sp>
+      <p:sp>
+        <p:nvSpPr>
+          <p:cNvPr id="9" name="TextBox 8">
+            <a:extLst>
+              <a:ext uri="{FF2B5EF4-FFF2-40B4-BE49-F238E27FC236}">
+                <a16:creationId xmlns:a16="http://schemas.microsoft.com/office/drawing/2014/main" id="{8CCFE0F1-0FE5-439F-8376-AC81BCC2F895}"/>
+              </a:ext>
+            </a:extLst>
+          </p:cNvPr>
+          <p:cNvSpPr txBox="1"/>
+          <p:nvPr/>
+        </p:nvSpPr>
+        <p:spPr>
+          <a:xfrm>
+            <a:off x="6854565" y="6366703"/>
+            <a:ext cx="1005403" cy="369332"/>
+          </a:xfrm>
+          <a:prstGeom prst="rect">
+            <a:avLst/>
+          </a:prstGeom>
+          <a:noFill/>
+        </p:spPr>
+        <p:txBody>
+          <a:bodyPr wrap="none" rtlCol="0">
+            <a:spAutoFit/>
+          </a:bodyPr>
+          <a:lstStyle/>
+          <a:p>
+            <a:r>
+              <a:rPr lang="en-US" altLang="ko-KR" dirty="0"/>
+              <a:t>14*14*1</a:t>
+            </a:r>
+            <a:endParaRPr lang="ko-KR" altLang="en-US" dirty="0"/>
+          </a:p>
+        </p:txBody>
+      </p:sp>
+      <p:pic>
+        <p:nvPicPr>
+          <p:cNvPr id="10" name="그림 9">
+            <a:extLst>
+              <a:ext uri="{FF2B5EF4-FFF2-40B4-BE49-F238E27FC236}">
+                <a16:creationId xmlns:a16="http://schemas.microsoft.com/office/drawing/2014/main" id="{95A73BFF-C387-404E-AE9C-1A100EEC6E39}"/>
+              </a:ext>
+            </a:extLst>
+          </p:cNvPr>
+          <p:cNvPicPr>
+            <a:picLocks noChangeAspect="1"/>
+          </p:cNvPicPr>
+          <p:nvPr/>
+        </p:nvPicPr>
+        <p:blipFill>
+          <a:blip r:embed="rId4"/>
+          <a:stretch>
+            <a:fillRect/>
+          </a:stretch>
+        </p:blipFill>
+        <p:spPr>
+          <a:xfrm>
+            <a:off x="8406110" y="5231428"/>
+            <a:ext cx="533400" cy="760294"/>
+          </a:xfrm>
+          <a:prstGeom prst="rect">
+            <a:avLst/>
+          </a:prstGeom>
+        </p:spPr>
+      </p:pic>
+      <p:sp>
+        <p:nvSpPr>
+          <p:cNvPr id="11" name="TextBox 10">
+            <a:extLst>
+              <a:ext uri="{FF2B5EF4-FFF2-40B4-BE49-F238E27FC236}">
+                <a16:creationId xmlns:a16="http://schemas.microsoft.com/office/drawing/2014/main" id="{B70E6DE4-C90C-4091-88DE-982EB5D2284F}"/>
+              </a:ext>
+            </a:extLst>
+          </p:cNvPr>
+          <p:cNvSpPr txBox="1"/>
+          <p:nvPr/>
+        </p:nvSpPr>
+        <p:spPr>
+          <a:xfrm>
+            <a:off x="8327930" y="6366703"/>
+            <a:ext cx="748923" cy="369332"/>
+          </a:xfrm>
+          <a:prstGeom prst="rect">
+            <a:avLst/>
+          </a:prstGeom>
+          <a:noFill/>
+        </p:spPr>
+        <p:txBody>
+          <a:bodyPr wrap="none" rtlCol="0">
+            <a:spAutoFit/>
+          </a:bodyPr>
+          <a:lstStyle/>
+          <a:p>
+            <a:r>
+              <a:rPr lang="en-US" altLang="ko-KR" dirty="0"/>
+              <a:t>7*7*1</a:t>
+            </a:r>
+            <a:endParaRPr lang="ko-KR" altLang="en-US" dirty="0"/>
+          </a:p>
+        </p:txBody>
+      </p:sp>
     </p:spTree>
     <p:extLst>
       <p:ext uri="{BB962C8B-B14F-4D97-AF65-F5344CB8AC3E}">
-        <p14:creationId xmlns:p14="http://schemas.microsoft.com/office/powerpoint/2010/main" val="1997679598"/>
+        <p14:creationId xmlns:p14="http://schemas.microsoft.com/office/powerpoint/2010/main" val="3618716164"/>
       </p:ext>
     </p:extLst>
   </p:cSld>
@@ -6126,7 +6336,7 @@
           <p:cNvPr id="2" name="제목 1">
             <a:extLst>
               <a:ext uri="{FF2B5EF4-FFF2-40B4-BE49-F238E27FC236}">
-                <a16:creationId xmlns:a16="http://schemas.microsoft.com/office/drawing/2014/main" id="{903A54F2-3805-47A9-8F2F-250B470AAF24}"/>
+                <a16:creationId xmlns:a16="http://schemas.microsoft.com/office/drawing/2014/main" id="{3AA72168-E342-4FD7-AA78-ACE024A10BFC}"/>
               </a:ext>
             </a:extLst>
           </p:cNvPr>
@@ -6151,10 +6361,10 @@
       </p:sp>
       <p:pic>
         <p:nvPicPr>
-          <p:cNvPr id="11" name="그림 10">
-            <a:extLst>
-              <a:ext uri="{FF2B5EF4-FFF2-40B4-BE49-F238E27FC236}">
-                <a16:creationId xmlns:a16="http://schemas.microsoft.com/office/drawing/2014/main" id="{6EEB1AB2-9B90-4767-8EA8-34E6BA98CAF0}"/>
+          <p:cNvPr id="17" name="그림 16">
+            <a:extLst>
+              <a:ext uri="{FF2B5EF4-FFF2-40B4-BE49-F238E27FC236}">
+                <a16:creationId xmlns:a16="http://schemas.microsoft.com/office/drawing/2014/main" id="{0D7389A0-88E7-4B7B-B667-2ADC80A84CB6}"/>
               </a:ext>
             </a:extLst>
           </p:cNvPr>
@@ -6171,8 +6381,8 @@
         </p:blipFill>
         <p:spPr>
           <a:xfrm>
-            <a:off x="609600" y="1527944"/>
-            <a:ext cx="3433370" cy="460855"/>
+            <a:off x="609600" y="1671904"/>
+            <a:ext cx="9794466" cy="771685"/>
           </a:xfrm>
           <a:prstGeom prst="rect">
             <a:avLst/>
@@ -6181,10 +6391,10 @@
       </p:pic>
       <p:pic>
         <p:nvPicPr>
-          <p:cNvPr id="12" name="그림 11">
-            <a:extLst>
-              <a:ext uri="{FF2B5EF4-FFF2-40B4-BE49-F238E27FC236}">
-                <a16:creationId xmlns:a16="http://schemas.microsoft.com/office/drawing/2014/main" id="{96D6E38D-4D72-47E1-9AC4-F06509A74CF9}"/>
+          <p:cNvPr id="18" name="그림 17">
+            <a:extLst>
+              <a:ext uri="{FF2B5EF4-FFF2-40B4-BE49-F238E27FC236}">
+                <a16:creationId xmlns:a16="http://schemas.microsoft.com/office/drawing/2014/main" id="{2D7EE507-5E77-4AEB-982C-14D745972220}"/>
               </a:ext>
             </a:extLst>
           </p:cNvPr>
@@ -6201,8 +6411,8 @@
         </p:blipFill>
         <p:spPr>
           <a:xfrm>
-            <a:off x="577037" y="2702219"/>
-            <a:ext cx="10130850" cy="2026170"/>
+            <a:off x="609600" y="3292185"/>
+            <a:ext cx="10289767" cy="400900"/>
           </a:xfrm>
           <a:prstGeom prst="rect">
             <a:avLst/>
@@ -6211,10 +6421,10 @@
       </p:pic>
       <p:pic>
         <p:nvPicPr>
-          <p:cNvPr id="13" name="그림 12">
-            <a:extLst>
-              <a:ext uri="{FF2B5EF4-FFF2-40B4-BE49-F238E27FC236}">
-                <a16:creationId xmlns:a16="http://schemas.microsoft.com/office/drawing/2014/main" id="{A2DA77A6-8CC7-4535-8C07-33CAF6F40B53}"/>
+          <p:cNvPr id="19" name="그림 18">
+            <a:extLst>
+              <a:ext uri="{FF2B5EF4-FFF2-40B4-BE49-F238E27FC236}">
+                <a16:creationId xmlns:a16="http://schemas.microsoft.com/office/drawing/2014/main" id="{989A409E-7239-4B29-8A7F-90359DC9194D}"/>
               </a:ext>
             </a:extLst>
           </p:cNvPr>
@@ -6231,251 +6441,8 @@
         </p:blipFill>
         <p:spPr>
           <a:xfrm>
-            <a:off x="5087860" y="457201"/>
-            <a:ext cx="2505075" cy="2409825"/>
-          </a:xfrm>
-          <a:prstGeom prst="rect">
-            <a:avLst/>
-          </a:prstGeom>
-        </p:spPr>
-      </p:pic>
-      <p:sp>
-        <p:nvSpPr>
-          <p:cNvPr id="14" name="TextBox 13">
-            <a:extLst>
-              <a:ext uri="{FF2B5EF4-FFF2-40B4-BE49-F238E27FC236}">
-                <a16:creationId xmlns:a16="http://schemas.microsoft.com/office/drawing/2014/main" id="{FA17B0AB-7E68-413C-9482-4FA291044BDD}"/>
-              </a:ext>
-            </a:extLst>
-          </p:cNvPr>
-          <p:cNvSpPr txBox="1"/>
-          <p:nvPr/>
-        </p:nvSpPr>
-        <p:spPr>
-          <a:xfrm>
-            <a:off x="944752" y="2165609"/>
-            <a:ext cx="3775393" cy="369332"/>
-          </a:xfrm>
-          <a:prstGeom prst="rect">
-            <a:avLst/>
-          </a:prstGeom>
-          <a:noFill/>
-          <a:ln>
-            <a:noFill/>
-          </a:ln>
-        </p:spPr>
-        <p:txBody>
-          <a:bodyPr wrap="none" rtlCol="0">
-            <a:spAutoFit/>
-          </a:bodyPr>
-          <a:lstStyle/>
-          <a:p>
-            <a:r>
-              <a:rPr lang="en-US" altLang="ko-KR" dirty="0">
-                <a:solidFill>
-                  <a:schemeClr val="accent1">
-                    <a:lumMod val="50000"/>
-                  </a:schemeClr>
-                </a:solidFill>
-              </a:rPr>
-              <a:t>[</a:t>
-            </a:r>
-            <a:r>
-              <a:rPr lang="en-US" altLang="ko-KR" dirty="0" err="1">
-                <a:solidFill>
-                  <a:schemeClr val="accent1">
-                    <a:lumMod val="50000"/>
-                  </a:schemeClr>
-                </a:solidFill>
-              </a:rPr>
-              <a:t>batch_size</a:t>
-            </a:r>
-            <a:r>
-              <a:rPr lang="en-US" altLang="ko-KR" dirty="0">
-                <a:solidFill>
-                  <a:schemeClr val="accent1">
-                    <a:lumMod val="50000"/>
-                  </a:schemeClr>
-                </a:solidFill>
-              </a:rPr>
-              <a:t>, height, width, channel]</a:t>
-            </a:r>
-            <a:endParaRPr lang="ko-KR" altLang="en-US" dirty="0">
-              <a:solidFill>
-                <a:schemeClr val="accent1">
-                  <a:lumMod val="50000"/>
-                </a:schemeClr>
-              </a:solidFill>
-            </a:endParaRPr>
-          </a:p>
-        </p:txBody>
-      </p:sp>
-      <p:sp>
-        <p:nvSpPr>
-          <p:cNvPr id="15" name="TextBox 14">
-            <a:extLst>
-              <a:ext uri="{FF2B5EF4-FFF2-40B4-BE49-F238E27FC236}">
-                <a16:creationId xmlns:a16="http://schemas.microsoft.com/office/drawing/2014/main" id="{93392FFC-DAF7-4FF8-AA7F-76830BB3711B}"/>
-              </a:ext>
-            </a:extLst>
-          </p:cNvPr>
-          <p:cNvSpPr txBox="1"/>
-          <p:nvPr/>
-        </p:nvSpPr>
-        <p:spPr>
-          <a:xfrm>
-            <a:off x="5345027" y="4067808"/>
-            <a:ext cx="4544834" cy="369332"/>
-          </a:xfrm>
-          <a:prstGeom prst="rect">
-            <a:avLst/>
-          </a:prstGeom>
-          <a:noFill/>
-          <a:ln>
-            <a:noFill/>
-          </a:ln>
-        </p:spPr>
-        <p:txBody>
-          <a:bodyPr wrap="none" rtlCol="0">
-            <a:spAutoFit/>
-          </a:bodyPr>
-          <a:lstStyle/>
-          <a:p>
-            <a:r>
-              <a:rPr lang="en-US" altLang="ko-KR" dirty="0">
-                <a:solidFill>
-                  <a:schemeClr val="accent1">
-                    <a:lumMod val="50000"/>
-                  </a:schemeClr>
-                </a:solidFill>
-              </a:rPr>
-              <a:t>[</a:t>
-            </a:r>
-            <a:r>
-              <a:rPr lang="en-US" altLang="ko-KR" dirty="0" err="1">
-                <a:solidFill>
-                  <a:schemeClr val="accent1">
-                    <a:lumMod val="50000"/>
-                  </a:schemeClr>
-                </a:solidFill>
-              </a:rPr>
-              <a:t>batch_size</a:t>
-            </a:r>
-            <a:r>
-              <a:rPr lang="en-US" altLang="ko-KR" dirty="0">
-                <a:solidFill>
-                  <a:schemeClr val="accent1">
-                    <a:lumMod val="50000"/>
-                  </a:schemeClr>
-                </a:solidFill>
-              </a:rPr>
-              <a:t>, height, width, </a:t>
-            </a:r>
-            <a:r>
-              <a:rPr lang="en-US" altLang="ko-KR" dirty="0" err="1">
-                <a:solidFill>
-                  <a:schemeClr val="accent1">
-                    <a:lumMod val="50000"/>
-                  </a:schemeClr>
-                </a:solidFill>
-              </a:rPr>
-              <a:t>output_channel</a:t>
-            </a:r>
-            <a:r>
-              <a:rPr lang="en-US" altLang="ko-KR" dirty="0">
-                <a:solidFill>
-                  <a:schemeClr val="accent1">
-                    <a:lumMod val="50000"/>
-                  </a:schemeClr>
-                </a:solidFill>
-              </a:rPr>
-              <a:t>]</a:t>
-            </a:r>
-            <a:endParaRPr lang="ko-KR" altLang="en-US" dirty="0">
-              <a:solidFill>
-                <a:schemeClr val="accent1">
-                  <a:lumMod val="50000"/>
-                </a:schemeClr>
-              </a:solidFill>
-            </a:endParaRPr>
-          </a:p>
-        </p:txBody>
-      </p:sp>
-      <p:sp>
-        <p:nvSpPr>
-          <p:cNvPr id="17" name="TextBox 16">
-            <a:extLst>
-              <a:ext uri="{FF2B5EF4-FFF2-40B4-BE49-F238E27FC236}">
-                <a16:creationId xmlns:a16="http://schemas.microsoft.com/office/drawing/2014/main" id="{E400373D-9FB8-4049-89AA-C15AF35C1EDC}"/>
-              </a:ext>
-            </a:extLst>
-          </p:cNvPr>
-          <p:cNvSpPr txBox="1"/>
-          <p:nvPr/>
-        </p:nvSpPr>
-        <p:spPr>
-          <a:xfrm>
-            <a:off x="5087860" y="4895667"/>
-            <a:ext cx="3672800" cy="369332"/>
-          </a:xfrm>
-          <a:prstGeom prst="rect">
-            <a:avLst/>
-          </a:prstGeom>
-          <a:noFill/>
-          <a:ln>
-            <a:noFill/>
-          </a:ln>
-        </p:spPr>
-        <p:txBody>
-          <a:bodyPr wrap="none" rtlCol="0">
-            <a:spAutoFit/>
-          </a:bodyPr>
-          <a:lstStyle/>
-          <a:p>
-            <a:r>
-              <a:rPr lang="en-US" altLang="ko-KR" dirty="0">
-                <a:solidFill>
-                  <a:schemeClr val="accent1">
-                    <a:lumMod val="50000"/>
-                  </a:schemeClr>
-                </a:solidFill>
-              </a:rPr>
-              <a:t>[(28(N) – 3(F) ) / 2(stride) +1 = 14]</a:t>
-            </a:r>
-            <a:endParaRPr lang="ko-KR" altLang="en-US" dirty="0">
-              <a:solidFill>
-                <a:schemeClr val="accent1">
-                  <a:lumMod val="50000"/>
-                </a:schemeClr>
-              </a:solidFill>
-            </a:endParaRPr>
-          </a:p>
-        </p:txBody>
-      </p:sp>
-      <p:pic>
-        <p:nvPicPr>
-          <p:cNvPr id="18" name="그림 17">
-            <a:extLst>
-              <a:ext uri="{FF2B5EF4-FFF2-40B4-BE49-F238E27FC236}">
-                <a16:creationId xmlns:a16="http://schemas.microsoft.com/office/drawing/2014/main" id="{F103F459-6869-40CE-99D1-AD94C093E5E7}"/>
-              </a:ext>
-            </a:extLst>
-          </p:cNvPr>
-          <p:cNvPicPr>
-            <a:picLocks noChangeAspect="1"/>
-          </p:cNvPicPr>
-          <p:nvPr/>
-        </p:nvPicPr>
-        <p:blipFill>
-          <a:blip r:embed="rId5"/>
-          <a:stretch>
-            <a:fillRect/>
-          </a:stretch>
-        </p:blipFill>
-        <p:spPr>
-          <a:xfrm>
-            <a:off x="5904801" y="5488324"/>
-            <a:ext cx="2038917" cy="440847"/>
+            <a:off x="569153" y="4438566"/>
+            <a:ext cx="7703712" cy="747530"/>
           </a:xfrm>
           <a:prstGeom prst="rect">
             <a:avLst/>
@@ -6485,7 +6452,7 @@
     </p:spTree>
     <p:extLst>
       <p:ext uri="{BB962C8B-B14F-4D97-AF65-F5344CB8AC3E}">
-        <p14:creationId xmlns:p14="http://schemas.microsoft.com/office/powerpoint/2010/main" val="3951218518"/>
+        <p14:creationId xmlns:p14="http://schemas.microsoft.com/office/powerpoint/2010/main" val="1997679598"/>
       </p:ext>
     </p:extLst>
   </p:cSld>
@@ -6699,6 +6666,397 @@
           <p:cNvPr id="2" name="제목 1">
             <a:extLst>
               <a:ext uri="{FF2B5EF4-FFF2-40B4-BE49-F238E27FC236}">
+                <a16:creationId xmlns:a16="http://schemas.microsoft.com/office/drawing/2014/main" id="{903A54F2-3805-47A9-8F2F-250B470AAF24}"/>
+              </a:ext>
+            </a:extLst>
+          </p:cNvPr>
+          <p:cNvSpPr>
+            <a:spLocks noGrp="1"/>
+          </p:cNvSpPr>
+          <p:nvPr>
+            <p:ph type="title"/>
+          </p:nvPr>
+        </p:nvSpPr>
+        <p:spPr/>
+        <p:txBody>
+          <a:bodyPr/>
+          <a:lstStyle/>
+          <a:p>
+            <a:r>
+              <a:rPr lang="ko-KR" altLang="en-US" dirty="0"/>
+              <a:t>코드</a:t>
+            </a:r>
+          </a:p>
+        </p:txBody>
+      </p:sp>
+      <p:pic>
+        <p:nvPicPr>
+          <p:cNvPr id="11" name="그림 10">
+            <a:extLst>
+              <a:ext uri="{FF2B5EF4-FFF2-40B4-BE49-F238E27FC236}">
+                <a16:creationId xmlns:a16="http://schemas.microsoft.com/office/drawing/2014/main" id="{6EEB1AB2-9B90-4767-8EA8-34E6BA98CAF0}"/>
+              </a:ext>
+            </a:extLst>
+          </p:cNvPr>
+          <p:cNvPicPr>
+            <a:picLocks noChangeAspect="1"/>
+          </p:cNvPicPr>
+          <p:nvPr/>
+        </p:nvPicPr>
+        <p:blipFill>
+          <a:blip r:embed="rId2"/>
+          <a:stretch>
+            <a:fillRect/>
+          </a:stretch>
+        </p:blipFill>
+        <p:spPr>
+          <a:xfrm>
+            <a:off x="609600" y="1527944"/>
+            <a:ext cx="3433370" cy="460855"/>
+          </a:xfrm>
+          <a:prstGeom prst="rect">
+            <a:avLst/>
+          </a:prstGeom>
+        </p:spPr>
+      </p:pic>
+      <p:pic>
+        <p:nvPicPr>
+          <p:cNvPr id="12" name="그림 11">
+            <a:extLst>
+              <a:ext uri="{FF2B5EF4-FFF2-40B4-BE49-F238E27FC236}">
+                <a16:creationId xmlns:a16="http://schemas.microsoft.com/office/drawing/2014/main" id="{96D6E38D-4D72-47E1-9AC4-F06509A74CF9}"/>
+              </a:ext>
+            </a:extLst>
+          </p:cNvPr>
+          <p:cNvPicPr>
+            <a:picLocks noChangeAspect="1"/>
+          </p:cNvPicPr>
+          <p:nvPr/>
+        </p:nvPicPr>
+        <p:blipFill>
+          <a:blip r:embed="rId3"/>
+          <a:stretch>
+            <a:fillRect/>
+          </a:stretch>
+        </p:blipFill>
+        <p:spPr>
+          <a:xfrm>
+            <a:off x="577037" y="2702219"/>
+            <a:ext cx="10130850" cy="2026170"/>
+          </a:xfrm>
+          <a:prstGeom prst="rect">
+            <a:avLst/>
+          </a:prstGeom>
+        </p:spPr>
+      </p:pic>
+      <p:pic>
+        <p:nvPicPr>
+          <p:cNvPr id="13" name="그림 12">
+            <a:extLst>
+              <a:ext uri="{FF2B5EF4-FFF2-40B4-BE49-F238E27FC236}">
+                <a16:creationId xmlns:a16="http://schemas.microsoft.com/office/drawing/2014/main" id="{A2DA77A6-8CC7-4535-8C07-33CAF6F40B53}"/>
+              </a:ext>
+            </a:extLst>
+          </p:cNvPr>
+          <p:cNvPicPr>
+            <a:picLocks noChangeAspect="1"/>
+          </p:cNvPicPr>
+          <p:nvPr/>
+        </p:nvPicPr>
+        <p:blipFill>
+          <a:blip r:embed="rId4"/>
+          <a:stretch>
+            <a:fillRect/>
+          </a:stretch>
+        </p:blipFill>
+        <p:spPr>
+          <a:xfrm>
+            <a:off x="5087860" y="457201"/>
+            <a:ext cx="2505075" cy="2409825"/>
+          </a:xfrm>
+          <a:prstGeom prst="rect">
+            <a:avLst/>
+          </a:prstGeom>
+        </p:spPr>
+      </p:pic>
+      <p:sp>
+        <p:nvSpPr>
+          <p:cNvPr id="14" name="TextBox 13">
+            <a:extLst>
+              <a:ext uri="{FF2B5EF4-FFF2-40B4-BE49-F238E27FC236}">
+                <a16:creationId xmlns:a16="http://schemas.microsoft.com/office/drawing/2014/main" id="{FA17B0AB-7E68-413C-9482-4FA291044BDD}"/>
+              </a:ext>
+            </a:extLst>
+          </p:cNvPr>
+          <p:cNvSpPr txBox="1"/>
+          <p:nvPr/>
+        </p:nvSpPr>
+        <p:spPr>
+          <a:xfrm>
+            <a:off x="944752" y="2165609"/>
+            <a:ext cx="3775393" cy="369332"/>
+          </a:xfrm>
+          <a:prstGeom prst="rect">
+            <a:avLst/>
+          </a:prstGeom>
+          <a:noFill/>
+          <a:ln>
+            <a:noFill/>
+          </a:ln>
+        </p:spPr>
+        <p:txBody>
+          <a:bodyPr wrap="none" rtlCol="0">
+            <a:spAutoFit/>
+          </a:bodyPr>
+          <a:lstStyle/>
+          <a:p>
+            <a:r>
+              <a:rPr lang="en-US" altLang="ko-KR" dirty="0">
+                <a:solidFill>
+                  <a:schemeClr val="accent1">
+                    <a:lumMod val="50000"/>
+                  </a:schemeClr>
+                </a:solidFill>
+              </a:rPr>
+              <a:t>[</a:t>
+            </a:r>
+            <a:r>
+              <a:rPr lang="en-US" altLang="ko-KR" dirty="0" err="1">
+                <a:solidFill>
+                  <a:schemeClr val="accent1">
+                    <a:lumMod val="50000"/>
+                  </a:schemeClr>
+                </a:solidFill>
+              </a:rPr>
+              <a:t>batch_size</a:t>
+            </a:r>
+            <a:r>
+              <a:rPr lang="en-US" altLang="ko-KR" dirty="0">
+                <a:solidFill>
+                  <a:schemeClr val="accent1">
+                    <a:lumMod val="50000"/>
+                  </a:schemeClr>
+                </a:solidFill>
+              </a:rPr>
+              <a:t>, height, width, channel]</a:t>
+            </a:r>
+            <a:endParaRPr lang="ko-KR" altLang="en-US" dirty="0">
+              <a:solidFill>
+                <a:schemeClr val="accent1">
+                  <a:lumMod val="50000"/>
+                </a:schemeClr>
+              </a:solidFill>
+            </a:endParaRPr>
+          </a:p>
+        </p:txBody>
+      </p:sp>
+      <p:sp>
+        <p:nvSpPr>
+          <p:cNvPr id="15" name="TextBox 14">
+            <a:extLst>
+              <a:ext uri="{FF2B5EF4-FFF2-40B4-BE49-F238E27FC236}">
+                <a16:creationId xmlns:a16="http://schemas.microsoft.com/office/drawing/2014/main" id="{93392FFC-DAF7-4FF8-AA7F-76830BB3711B}"/>
+              </a:ext>
+            </a:extLst>
+          </p:cNvPr>
+          <p:cNvSpPr txBox="1"/>
+          <p:nvPr/>
+        </p:nvSpPr>
+        <p:spPr>
+          <a:xfrm>
+            <a:off x="5345027" y="4067808"/>
+            <a:ext cx="4544834" cy="369332"/>
+          </a:xfrm>
+          <a:prstGeom prst="rect">
+            <a:avLst/>
+          </a:prstGeom>
+          <a:noFill/>
+          <a:ln>
+            <a:noFill/>
+          </a:ln>
+        </p:spPr>
+        <p:txBody>
+          <a:bodyPr wrap="none" rtlCol="0">
+            <a:spAutoFit/>
+          </a:bodyPr>
+          <a:lstStyle/>
+          <a:p>
+            <a:r>
+              <a:rPr lang="en-US" altLang="ko-KR" dirty="0">
+                <a:solidFill>
+                  <a:schemeClr val="accent1">
+                    <a:lumMod val="50000"/>
+                  </a:schemeClr>
+                </a:solidFill>
+              </a:rPr>
+              <a:t>[</a:t>
+            </a:r>
+            <a:r>
+              <a:rPr lang="en-US" altLang="ko-KR" dirty="0" err="1">
+                <a:solidFill>
+                  <a:schemeClr val="accent1">
+                    <a:lumMod val="50000"/>
+                  </a:schemeClr>
+                </a:solidFill>
+              </a:rPr>
+              <a:t>batch_size</a:t>
+            </a:r>
+            <a:r>
+              <a:rPr lang="en-US" altLang="ko-KR" dirty="0">
+                <a:solidFill>
+                  <a:schemeClr val="accent1">
+                    <a:lumMod val="50000"/>
+                  </a:schemeClr>
+                </a:solidFill>
+              </a:rPr>
+              <a:t>, height, width, </a:t>
+            </a:r>
+            <a:r>
+              <a:rPr lang="en-US" altLang="ko-KR" dirty="0" err="1">
+                <a:solidFill>
+                  <a:schemeClr val="accent1">
+                    <a:lumMod val="50000"/>
+                  </a:schemeClr>
+                </a:solidFill>
+              </a:rPr>
+              <a:t>output_channel</a:t>
+            </a:r>
+            <a:r>
+              <a:rPr lang="en-US" altLang="ko-KR" dirty="0">
+                <a:solidFill>
+                  <a:schemeClr val="accent1">
+                    <a:lumMod val="50000"/>
+                  </a:schemeClr>
+                </a:solidFill>
+              </a:rPr>
+              <a:t>]</a:t>
+            </a:r>
+            <a:endParaRPr lang="ko-KR" altLang="en-US" dirty="0">
+              <a:solidFill>
+                <a:schemeClr val="accent1">
+                  <a:lumMod val="50000"/>
+                </a:schemeClr>
+              </a:solidFill>
+            </a:endParaRPr>
+          </a:p>
+        </p:txBody>
+      </p:sp>
+      <p:sp>
+        <p:nvSpPr>
+          <p:cNvPr id="17" name="TextBox 16">
+            <a:extLst>
+              <a:ext uri="{FF2B5EF4-FFF2-40B4-BE49-F238E27FC236}">
+                <a16:creationId xmlns:a16="http://schemas.microsoft.com/office/drawing/2014/main" id="{E400373D-9FB8-4049-89AA-C15AF35C1EDC}"/>
+              </a:ext>
+            </a:extLst>
+          </p:cNvPr>
+          <p:cNvSpPr txBox="1"/>
+          <p:nvPr/>
+        </p:nvSpPr>
+        <p:spPr>
+          <a:xfrm>
+            <a:off x="5087860" y="4895667"/>
+            <a:ext cx="3672800" cy="369332"/>
+          </a:xfrm>
+          <a:prstGeom prst="rect">
+            <a:avLst/>
+          </a:prstGeom>
+          <a:noFill/>
+          <a:ln>
+            <a:noFill/>
+          </a:ln>
+        </p:spPr>
+        <p:txBody>
+          <a:bodyPr wrap="none" rtlCol="0">
+            <a:spAutoFit/>
+          </a:bodyPr>
+          <a:lstStyle/>
+          <a:p>
+            <a:r>
+              <a:rPr lang="en-US" altLang="ko-KR" dirty="0">
+                <a:solidFill>
+                  <a:schemeClr val="accent1">
+                    <a:lumMod val="50000"/>
+                  </a:schemeClr>
+                </a:solidFill>
+              </a:rPr>
+              <a:t>[(28(N) – 3(F) ) / 2(stride) +1 = 14]</a:t>
+            </a:r>
+            <a:endParaRPr lang="ko-KR" altLang="en-US" dirty="0">
+              <a:solidFill>
+                <a:schemeClr val="accent1">
+                  <a:lumMod val="50000"/>
+                </a:schemeClr>
+              </a:solidFill>
+            </a:endParaRPr>
+          </a:p>
+        </p:txBody>
+      </p:sp>
+      <p:pic>
+        <p:nvPicPr>
+          <p:cNvPr id="18" name="그림 17">
+            <a:extLst>
+              <a:ext uri="{FF2B5EF4-FFF2-40B4-BE49-F238E27FC236}">
+                <a16:creationId xmlns:a16="http://schemas.microsoft.com/office/drawing/2014/main" id="{F103F459-6869-40CE-99D1-AD94C093E5E7}"/>
+              </a:ext>
+            </a:extLst>
+          </p:cNvPr>
+          <p:cNvPicPr>
+            <a:picLocks noChangeAspect="1"/>
+          </p:cNvPicPr>
+          <p:nvPr/>
+        </p:nvPicPr>
+        <p:blipFill>
+          <a:blip r:embed="rId5"/>
+          <a:stretch>
+            <a:fillRect/>
+          </a:stretch>
+        </p:blipFill>
+        <p:spPr>
+          <a:xfrm>
+            <a:off x="5904801" y="5488324"/>
+            <a:ext cx="2038917" cy="440847"/>
+          </a:xfrm>
+          <a:prstGeom prst="rect">
+            <a:avLst/>
+          </a:prstGeom>
+        </p:spPr>
+      </p:pic>
+    </p:spTree>
+    <p:extLst>
+      <p:ext uri="{BB962C8B-B14F-4D97-AF65-F5344CB8AC3E}">
+        <p14:creationId xmlns:p14="http://schemas.microsoft.com/office/powerpoint/2010/main" val="3951218518"/>
+      </p:ext>
+    </p:extLst>
+  </p:cSld>
+  <p:clrMapOvr>
+    <a:masterClrMapping/>
+  </p:clrMapOvr>
+</p:sld>
+</file>
+
+<file path=ppt/slides/slide21.xml><?xml version="1.0" encoding="utf-8"?>
+<p:sld xmlns:a="http://schemas.openxmlformats.org/drawingml/2006/main" xmlns:r="http://schemas.openxmlformats.org/officeDocument/2006/relationships" xmlns:p="http://schemas.openxmlformats.org/presentationml/2006/main">
+  <p:cSld>
+    <p:spTree>
+      <p:nvGrpSpPr>
+        <p:cNvPr id="1" name=""/>
+        <p:cNvGrpSpPr/>
+        <p:nvPr/>
+      </p:nvGrpSpPr>
+      <p:grpSpPr>
+        <a:xfrm>
+          <a:off x="0" y="0"/>
+          <a:ext cx="0" cy="0"/>
+          <a:chOff x="0" y="0"/>
+          <a:chExt cx="0" cy="0"/>
+        </a:xfrm>
+      </p:grpSpPr>
+      <p:sp>
+        <p:nvSpPr>
+          <p:cNvPr id="2" name="제목 1">
+            <a:extLst>
+              <a:ext uri="{FF2B5EF4-FFF2-40B4-BE49-F238E27FC236}">
                 <a16:creationId xmlns:a16="http://schemas.microsoft.com/office/drawing/2014/main" id="{6A652AD8-5707-4DB0-8331-3D797AE78149}"/>
               </a:ext>
             </a:extLst>
@@ -6955,96 +7313,6 @@
 </p:sld>
 </file>
 
-<file path=ppt/slides/slide21.xml><?xml version="1.0" encoding="utf-8"?>
-<p:sld xmlns:a="http://schemas.openxmlformats.org/drawingml/2006/main" xmlns:r="http://schemas.openxmlformats.org/officeDocument/2006/relationships" xmlns:p="http://schemas.openxmlformats.org/presentationml/2006/main">
-  <p:cSld>
-    <p:spTree>
-      <p:nvGrpSpPr>
-        <p:cNvPr id="1" name=""/>
-        <p:cNvGrpSpPr/>
-        <p:nvPr/>
-      </p:nvGrpSpPr>
-      <p:grpSpPr>
-        <a:xfrm>
-          <a:off x="0" y="0"/>
-          <a:ext cx="0" cy="0"/>
-          <a:chOff x="0" y="0"/>
-          <a:chExt cx="0" cy="0"/>
-        </a:xfrm>
-      </p:grpSpPr>
-      <p:sp>
-        <p:nvSpPr>
-          <p:cNvPr id="2" name="제목 1">
-            <a:extLst>
-              <a:ext uri="{FF2B5EF4-FFF2-40B4-BE49-F238E27FC236}">
-                <a16:creationId xmlns:a16="http://schemas.microsoft.com/office/drawing/2014/main" id="{6A652AD8-5707-4DB0-8331-3D797AE78149}"/>
-              </a:ext>
-            </a:extLst>
-          </p:cNvPr>
-          <p:cNvSpPr>
-            <a:spLocks noGrp="1"/>
-          </p:cNvSpPr>
-          <p:nvPr>
-            <p:ph type="title"/>
-          </p:nvPr>
-        </p:nvSpPr>
-        <p:spPr/>
-        <p:txBody>
-          <a:bodyPr/>
-          <a:lstStyle/>
-          <a:p>
-            <a:r>
-              <a:rPr lang="ko-KR" altLang="en-US" dirty="0"/>
-              <a:t>코드</a:t>
-            </a:r>
-          </a:p>
-        </p:txBody>
-      </p:sp>
-      <p:pic>
-        <p:nvPicPr>
-          <p:cNvPr id="4" name="내용 개체 틀 3">
-            <a:extLst>
-              <a:ext uri="{FF2B5EF4-FFF2-40B4-BE49-F238E27FC236}">
-                <a16:creationId xmlns:a16="http://schemas.microsoft.com/office/drawing/2014/main" id="{C1D0936F-B094-41AC-923A-78C613CC27E1}"/>
-              </a:ext>
-            </a:extLst>
-          </p:cNvPr>
-          <p:cNvPicPr>
-            <a:picLocks noGrp="1" noChangeAspect="1"/>
-          </p:cNvPicPr>
-          <p:nvPr>
-            <p:ph idx="1"/>
-          </p:nvPr>
-        </p:nvPicPr>
-        <p:blipFill>
-          <a:blip r:embed="rId2"/>
-          <a:stretch>
-            <a:fillRect/>
-          </a:stretch>
-        </p:blipFill>
-        <p:spPr>
-          <a:xfrm>
-            <a:off x="602393" y="1494313"/>
-            <a:ext cx="10892809" cy="3662927"/>
-          </a:xfrm>
-          <a:prstGeom prst="rect">
-            <a:avLst/>
-          </a:prstGeom>
-        </p:spPr>
-      </p:pic>
-    </p:spTree>
-    <p:extLst>
-      <p:ext uri="{BB962C8B-B14F-4D97-AF65-F5344CB8AC3E}">
-        <p14:creationId xmlns:p14="http://schemas.microsoft.com/office/powerpoint/2010/main" val="594697700"/>
-      </p:ext>
-    </p:extLst>
-  </p:cSld>
-  <p:clrMapOvr>
-    <a:masterClrMapping/>
-  </p:clrMapOvr>
-</p:sld>
-</file>
-
 <file path=ppt/slides/slide22.xml><?xml version="1.0" encoding="utf-8"?>
 <p:sld xmlns:a="http://schemas.openxmlformats.org/drawingml/2006/main" xmlns:r="http://schemas.openxmlformats.org/officeDocument/2006/relationships" xmlns:p="http://schemas.openxmlformats.org/presentationml/2006/main">
   <p:cSld>
@@ -7064,10 +7332,10 @@
       </p:grpSpPr>
       <p:sp>
         <p:nvSpPr>
-          <p:cNvPr id="2" name="제목 1">
-            <a:extLst>
-              <a:ext uri="{FF2B5EF4-FFF2-40B4-BE49-F238E27FC236}">
-                <a16:creationId xmlns:a16="http://schemas.microsoft.com/office/drawing/2014/main" id="{6A652AD8-5707-4DB0-8331-3D797AE78149}"/>
+          <p:cNvPr id="4" name="제목 3">
+            <a:extLst>
+              <a:ext uri="{FF2B5EF4-FFF2-40B4-BE49-F238E27FC236}">
+                <a16:creationId xmlns:a16="http://schemas.microsoft.com/office/drawing/2014/main" id="{0AD98A71-EE24-42B8-9E38-D09C6C320E64}"/>
               </a:ext>
             </a:extLst>
           </p:cNvPr>
@@ -7075,7 +7343,7 @@
             <a:spLocks noGrp="1"/>
           </p:cNvSpPr>
           <p:nvPr>
-            <p:ph type="title"/>
+            <p:ph type="ctrTitle"/>
           </p:nvPr>
         </p:nvSpPr>
         <p:spPr/>
@@ -7084,27 +7352,62 @@
           <a:lstStyle/>
           <a:p>
             <a:r>
-              <a:rPr lang="ko-KR" altLang="en-US" dirty="0"/>
-              <a:t>코드</a:t>
-            </a:r>
+              <a:rPr lang="en-US" altLang="ko-KR" dirty="0"/>
+              <a:t>Code – convolutional layer</a:t>
+            </a:r>
+            <a:endParaRPr lang="ko-KR" altLang="en-US" dirty="0"/>
+          </a:p>
+        </p:txBody>
+      </p:sp>
+      <p:sp>
+        <p:nvSpPr>
+          <p:cNvPr id="2" name="TextBox 1">
+            <a:extLst>
+              <a:ext uri="{FF2B5EF4-FFF2-40B4-BE49-F238E27FC236}">
+                <a16:creationId xmlns:a16="http://schemas.microsoft.com/office/drawing/2014/main" id="{F5FEE212-655C-40F9-B2E1-EB723F8405FC}"/>
+              </a:ext>
+            </a:extLst>
+          </p:cNvPr>
+          <p:cNvSpPr txBox="1"/>
+          <p:nvPr/>
+        </p:nvSpPr>
+        <p:spPr>
+          <a:xfrm>
+            <a:off x="3575650" y="4437140"/>
+            <a:ext cx="2749471" cy="369332"/>
+          </a:xfrm>
+          <a:prstGeom prst="rect">
+            <a:avLst/>
+          </a:prstGeom>
+          <a:noFill/>
+        </p:spPr>
+        <p:txBody>
+          <a:bodyPr wrap="none" rtlCol="0">
+            <a:spAutoFit/>
+          </a:bodyPr>
+          <a:lstStyle/>
+          <a:p>
+            <a:r>
+              <a:rPr lang="en-US" altLang="ko-KR" dirty="0"/>
+              <a:t>Image -&gt; filter -&gt; pooling </a:t>
+            </a:r>
+            <a:endParaRPr lang="ko-KR" altLang="en-US" dirty="0"/>
           </a:p>
         </p:txBody>
       </p:sp>
       <p:pic>
         <p:nvPicPr>
-          <p:cNvPr id="4" name="내용 개체 틀 3">
-            <a:extLst>
-              <a:ext uri="{FF2B5EF4-FFF2-40B4-BE49-F238E27FC236}">
-                <a16:creationId xmlns:a16="http://schemas.microsoft.com/office/drawing/2014/main" id="{49331C1C-AF8E-4632-B732-4CF4CF1DD9AE}"/>
+          <p:cNvPr id="3" name="그림 2">
+            <a:extLst>
+              <a:ext uri="{FF2B5EF4-FFF2-40B4-BE49-F238E27FC236}">
+                <a16:creationId xmlns:a16="http://schemas.microsoft.com/office/drawing/2014/main" id="{2DEC8E04-89EB-4E0A-B432-71C720358D41}"/>
               </a:ext>
             </a:extLst>
           </p:cNvPr>
           <p:cNvPicPr>
-            <a:picLocks noGrp="1" noChangeAspect="1"/>
+            <a:picLocks noChangeAspect="1"/>
           </p:cNvPicPr>
-          <p:nvPr>
-            <p:ph idx="1"/>
-          </p:nvPr>
+          <p:nvPr/>
         </p:nvPicPr>
         <p:blipFill>
           <a:blip r:embed="rId2"/>
@@ -7114,8 +7417,8 @@
         </p:blipFill>
         <p:spPr>
           <a:xfrm>
-            <a:off x="416180" y="1556532"/>
-            <a:ext cx="11359639" cy="3744936"/>
+            <a:off x="551230" y="5120694"/>
+            <a:ext cx="1038225" cy="1245670"/>
           </a:xfrm>
           <a:prstGeom prst="rect">
             <a:avLst/>
@@ -7124,10 +7427,10 @@
       </p:pic>
       <p:pic>
         <p:nvPicPr>
-          <p:cNvPr id="5" name="그림 4">
-            <a:extLst>
-              <a:ext uri="{FF2B5EF4-FFF2-40B4-BE49-F238E27FC236}">
-                <a16:creationId xmlns:a16="http://schemas.microsoft.com/office/drawing/2014/main" id="{E51CD57D-3DCF-409E-B6B3-AA8E473AFF85}"/>
+          <p:cNvPr id="6" name="그림 5">
+            <a:extLst>
+              <a:ext uri="{FF2B5EF4-FFF2-40B4-BE49-F238E27FC236}">
+                <a16:creationId xmlns:a16="http://schemas.microsoft.com/office/drawing/2014/main" id="{618E44CD-78E7-43B1-93CD-043537B4E99F}"/>
               </a:ext>
             </a:extLst>
           </p:cNvPr>
@@ -7144,18 +7447,288 @@
         </p:blipFill>
         <p:spPr>
           <a:xfrm>
-            <a:off x="388135" y="5382584"/>
-            <a:ext cx="2849924" cy="638776"/>
+            <a:off x="2207460" y="5231428"/>
+            <a:ext cx="702845" cy="1001816"/>
           </a:xfrm>
           <a:prstGeom prst="rect">
             <a:avLst/>
           </a:prstGeom>
         </p:spPr>
       </p:pic>
+      <p:sp>
+        <p:nvSpPr>
+          <p:cNvPr id="7" name="TextBox 6">
+            <a:extLst>
+              <a:ext uri="{FF2B5EF4-FFF2-40B4-BE49-F238E27FC236}">
+                <a16:creationId xmlns:a16="http://schemas.microsoft.com/office/drawing/2014/main" id="{12E444B8-FFC2-435C-A210-E292A74406B7}"/>
+              </a:ext>
+            </a:extLst>
+          </p:cNvPr>
+          <p:cNvSpPr txBox="1"/>
+          <p:nvPr/>
+        </p:nvSpPr>
+        <p:spPr>
+          <a:xfrm>
+            <a:off x="584052" y="6380503"/>
+            <a:ext cx="1005403" cy="369332"/>
+          </a:xfrm>
+          <a:prstGeom prst="rect">
+            <a:avLst/>
+          </a:prstGeom>
+          <a:noFill/>
+        </p:spPr>
+        <p:txBody>
+          <a:bodyPr wrap="none" rtlCol="0">
+            <a:spAutoFit/>
+          </a:bodyPr>
+          <a:lstStyle/>
+          <a:p>
+            <a:r>
+              <a:rPr lang="en-US" altLang="ko-KR" dirty="0"/>
+              <a:t>28*28*1</a:t>
+            </a:r>
+            <a:endParaRPr lang="ko-KR" altLang="en-US" dirty="0"/>
+          </a:p>
+        </p:txBody>
+      </p:sp>
+      <p:sp>
+        <p:nvSpPr>
+          <p:cNvPr id="9" name="TextBox 8">
+            <a:extLst>
+              <a:ext uri="{FF2B5EF4-FFF2-40B4-BE49-F238E27FC236}">
+                <a16:creationId xmlns:a16="http://schemas.microsoft.com/office/drawing/2014/main" id="{8CCFE0F1-0FE5-439F-8376-AC81BCC2F895}"/>
+              </a:ext>
+            </a:extLst>
+          </p:cNvPr>
+          <p:cNvSpPr txBox="1"/>
+          <p:nvPr/>
+        </p:nvSpPr>
+        <p:spPr>
+          <a:xfrm>
+            <a:off x="2056180" y="6360815"/>
+            <a:ext cx="1133644" cy="369332"/>
+          </a:xfrm>
+          <a:prstGeom prst="rect">
+            <a:avLst/>
+          </a:prstGeom>
+          <a:noFill/>
+        </p:spPr>
+        <p:txBody>
+          <a:bodyPr wrap="none" rtlCol="0">
+            <a:spAutoFit/>
+          </a:bodyPr>
+          <a:lstStyle/>
+          <a:p>
+            <a:r>
+              <a:rPr lang="en-US" altLang="ko-KR" dirty="0"/>
+              <a:t>14*14*32</a:t>
+            </a:r>
+            <a:endParaRPr lang="ko-KR" altLang="en-US" dirty="0"/>
+          </a:p>
+        </p:txBody>
+      </p:sp>
+      <p:pic>
+        <p:nvPicPr>
+          <p:cNvPr id="10" name="그림 9">
+            <a:extLst>
+              <a:ext uri="{FF2B5EF4-FFF2-40B4-BE49-F238E27FC236}">
+                <a16:creationId xmlns:a16="http://schemas.microsoft.com/office/drawing/2014/main" id="{95A73BFF-C387-404E-AE9C-1A100EEC6E39}"/>
+              </a:ext>
+            </a:extLst>
+          </p:cNvPr>
+          <p:cNvPicPr>
+            <a:picLocks noChangeAspect="1"/>
+          </p:cNvPicPr>
+          <p:nvPr/>
+        </p:nvPicPr>
+        <p:blipFill>
+          <a:blip r:embed="rId3"/>
+          <a:stretch>
+            <a:fillRect/>
+          </a:stretch>
+        </p:blipFill>
+        <p:spPr>
+          <a:xfrm>
+            <a:off x="3721225" y="5205012"/>
+            <a:ext cx="702844" cy="1001815"/>
+          </a:xfrm>
+          <a:prstGeom prst="rect">
+            <a:avLst/>
+          </a:prstGeom>
+        </p:spPr>
+      </p:pic>
+      <p:sp>
+        <p:nvSpPr>
+          <p:cNvPr id="11" name="TextBox 10">
+            <a:extLst>
+              <a:ext uri="{FF2B5EF4-FFF2-40B4-BE49-F238E27FC236}">
+                <a16:creationId xmlns:a16="http://schemas.microsoft.com/office/drawing/2014/main" id="{B70E6DE4-C90C-4091-88DE-982EB5D2284F}"/>
+              </a:ext>
+            </a:extLst>
+          </p:cNvPr>
+          <p:cNvSpPr txBox="1"/>
+          <p:nvPr/>
+        </p:nvSpPr>
+        <p:spPr>
+          <a:xfrm>
+            <a:off x="7272756" y="6335987"/>
+            <a:ext cx="441146" cy="369332"/>
+          </a:xfrm>
+          <a:prstGeom prst="rect">
+            <a:avLst/>
+          </a:prstGeom>
+          <a:noFill/>
+        </p:spPr>
+        <p:txBody>
+          <a:bodyPr wrap="none" rtlCol="0">
+            <a:spAutoFit/>
+          </a:bodyPr>
+          <a:lstStyle/>
+          <a:p>
+            <a:r>
+              <a:rPr lang="en-US" altLang="ko-KR" dirty="0"/>
+              <a:t>10</a:t>
+            </a:r>
+            <a:endParaRPr lang="ko-KR" altLang="en-US" dirty="0"/>
+          </a:p>
+        </p:txBody>
+      </p:sp>
+      <p:pic>
+        <p:nvPicPr>
+          <p:cNvPr id="12" name="그림 11">
+            <a:extLst>
+              <a:ext uri="{FF2B5EF4-FFF2-40B4-BE49-F238E27FC236}">
+                <a16:creationId xmlns:a16="http://schemas.microsoft.com/office/drawing/2014/main" id="{55AE1495-6FCA-4468-B7FE-FBC08DE6A88A}"/>
+              </a:ext>
+            </a:extLst>
+          </p:cNvPr>
+          <p:cNvPicPr>
+            <a:picLocks noChangeAspect="1"/>
+          </p:cNvPicPr>
+          <p:nvPr/>
+        </p:nvPicPr>
+        <p:blipFill>
+          <a:blip r:embed="rId3"/>
+          <a:stretch>
+            <a:fillRect/>
+          </a:stretch>
+        </p:blipFill>
+        <p:spPr>
+          <a:xfrm>
+            <a:off x="5588368" y="5205011"/>
+            <a:ext cx="702844" cy="1001815"/>
+          </a:xfrm>
+          <a:prstGeom prst="rect">
+            <a:avLst/>
+          </a:prstGeom>
+        </p:spPr>
+      </p:pic>
+      <p:pic>
+        <p:nvPicPr>
+          <p:cNvPr id="14" name="그림 13">
+            <a:extLst>
+              <a:ext uri="{FF2B5EF4-FFF2-40B4-BE49-F238E27FC236}">
+                <a16:creationId xmlns:a16="http://schemas.microsoft.com/office/drawing/2014/main" id="{B06B1BE3-B475-417B-9D66-BDE206B7CB73}"/>
+              </a:ext>
+            </a:extLst>
+          </p:cNvPr>
+          <p:cNvPicPr>
+            <a:picLocks noChangeAspect="1"/>
+          </p:cNvPicPr>
+          <p:nvPr/>
+        </p:nvPicPr>
+        <p:blipFill>
+          <a:blip r:embed="rId3"/>
+          <a:stretch>
+            <a:fillRect/>
+          </a:stretch>
+        </p:blipFill>
+        <p:spPr>
+          <a:xfrm>
+            <a:off x="7272756" y="5231428"/>
+            <a:ext cx="702844" cy="1001815"/>
+          </a:xfrm>
+          <a:prstGeom prst="rect">
+            <a:avLst/>
+          </a:prstGeom>
+        </p:spPr>
+      </p:pic>
+      <p:sp>
+        <p:nvSpPr>
+          <p:cNvPr id="15" name="TextBox 14">
+            <a:extLst>
+              <a:ext uri="{FF2B5EF4-FFF2-40B4-BE49-F238E27FC236}">
+                <a16:creationId xmlns:a16="http://schemas.microsoft.com/office/drawing/2014/main" id="{B37A6AE3-4F89-4578-A40F-8BE5DD0EF9BD}"/>
+              </a:ext>
+            </a:extLst>
+          </p:cNvPr>
+          <p:cNvSpPr txBox="1"/>
+          <p:nvPr/>
+        </p:nvSpPr>
+        <p:spPr>
+          <a:xfrm>
+            <a:off x="3522156" y="6309400"/>
+            <a:ext cx="877163" cy="369332"/>
+          </a:xfrm>
+          <a:prstGeom prst="rect">
+            <a:avLst/>
+          </a:prstGeom>
+          <a:noFill/>
+        </p:spPr>
+        <p:txBody>
+          <a:bodyPr wrap="none" rtlCol="0">
+            <a:spAutoFit/>
+          </a:bodyPr>
+          <a:lstStyle/>
+          <a:p>
+            <a:r>
+              <a:rPr lang="en-US" altLang="ko-KR" dirty="0"/>
+              <a:t>7*7*64</a:t>
+            </a:r>
+            <a:endParaRPr lang="ko-KR" altLang="en-US" dirty="0"/>
+          </a:p>
+        </p:txBody>
+      </p:sp>
+      <p:sp>
+        <p:nvSpPr>
+          <p:cNvPr id="16" name="TextBox 15">
+            <a:extLst>
+              <a:ext uri="{FF2B5EF4-FFF2-40B4-BE49-F238E27FC236}">
+                <a16:creationId xmlns:a16="http://schemas.microsoft.com/office/drawing/2014/main" id="{49330741-63AB-4DFE-A8ED-9E16BDF43D0D}"/>
+              </a:ext>
+            </a:extLst>
+          </p:cNvPr>
+          <p:cNvSpPr txBox="1"/>
+          <p:nvPr/>
+        </p:nvSpPr>
+        <p:spPr>
+          <a:xfrm>
+            <a:off x="5394416" y="6381410"/>
+            <a:ext cx="1005403" cy="369332"/>
+          </a:xfrm>
+          <a:prstGeom prst="rect">
+            <a:avLst/>
+          </a:prstGeom>
+          <a:noFill/>
+        </p:spPr>
+        <p:txBody>
+          <a:bodyPr wrap="none" rtlCol="0">
+            <a:spAutoFit/>
+          </a:bodyPr>
+          <a:lstStyle/>
+          <a:p>
+            <a:r>
+              <a:rPr lang="en-US" altLang="ko-KR" dirty="0"/>
+              <a:t>4*4*128</a:t>
+            </a:r>
+            <a:endParaRPr lang="ko-KR" altLang="en-US" dirty="0"/>
+          </a:p>
+        </p:txBody>
+      </p:sp>
     </p:spTree>
     <p:extLst>
       <p:ext uri="{BB962C8B-B14F-4D97-AF65-F5344CB8AC3E}">
-        <p14:creationId xmlns:p14="http://schemas.microsoft.com/office/powerpoint/2010/main" val="1012857361"/>
+        <p14:creationId xmlns:p14="http://schemas.microsoft.com/office/powerpoint/2010/main" val="3235066416"/>
       </p:ext>
     </p:extLst>
   </p:cSld>
@@ -7215,7 +7788,7 @@
           <p:cNvPr id="4" name="내용 개체 틀 3">
             <a:extLst>
               <a:ext uri="{FF2B5EF4-FFF2-40B4-BE49-F238E27FC236}">
-                <a16:creationId xmlns:a16="http://schemas.microsoft.com/office/drawing/2014/main" id="{83E72D2E-0838-4572-A81B-B589393169B7}"/>
+                <a16:creationId xmlns:a16="http://schemas.microsoft.com/office/drawing/2014/main" id="{C1D0936F-B094-41AC-923A-78C613CC27E1}"/>
               </a:ext>
             </a:extLst>
           </p:cNvPr>
@@ -7234,68 +7807,8 @@
         </p:blipFill>
         <p:spPr>
           <a:xfrm>
-            <a:off x="479221" y="1455971"/>
-            <a:ext cx="9433310" cy="1687869"/>
-          </a:xfrm>
-          <a:prstGeom prst="rect">
-            <a:avLst/>
-          </a:prstGeom>
-        </p:spPr>
-      </p:pic>
-      <p:pic>
-        <p:nvPicPr>
-          <p:cNvPr id="5" name="그림 4">
-            <a:extLst>
-              <a:ext uri="{FF2B5EF4-FFF2-40B4-BE49-F238E27FC236}">
-                <a16:creationId xmlns:a16="http://schemas.microsoft.com/office/drawing/2014/main" id="{6DFC3DB6-0B33-45F8-8956-D6052E3001FD}"/>
-              </a:ext>
-            </a:extLst>
-          </p:cNvPr>
-          <p:cNvPicPr>
-            <a:picLocks noChangeAspect="1"/>
-          </p:cNvPicPr>
-          <p:nvPr/>
-        </p:nvPicPr>
-        <p:blipFill>
-          <a:blip r:embed="rId3"/>
-          <a:stretch>
-            <a:fillRect/>
-          </a:stretch>
-        </p:blipFill>
-        <p:spPr>
-          <a:xfrm>
-            <a:off x="479221" y="3143840"/>
-            <a:ext cx="6840949" cy="1407847"/>
-          </a:xfrm>
-          <a:prstGeom prst="rect">
-            <a:avLst/>
-          </a:prstGeom>
-        </p:spPr>
-      </p:pic>
-      <p:pic>
-        <p:nvPicPr>
-          <p:cNvPr id="6" name="그림 5">
-            <a:extLst>
-              <a:ext uri="{FF2B5EF4-FFF2-40B4-BE49-F238E27FC236}">
-                <a16:creationId xmlns:a16="http://schemas.microsoft.com/office/drawing/2014/main" id="{2C972CA1-13DD-487B-A2B6-466828044ED0}"/>
-              </a:ext>
-            </a:extLst>
-          </p:cNvPr>
-          <p:cNvPicPr>
-            <a:picLocks noChangeAspect="1"/>
-          </p:cNvPicPr>
-          <p:nvPr/>
-        </p:nvPicPr>
-        <p:blipFill>
-          <a:blip r:embed="rId4"/>
-          <a:stretch>
-            <a:fillRect/>
-          </a:stretch>
-        </p:blipFill>
-        <p:spPr>
-          <a:xfrm>
-            <a:off x="479221" y="4573354"/>
-            <a:ext cx="10297803" cy="1637859"/>
+            <a:off x="602393" y="1494313"/>
+            <a:ext cx="10892809" cy="3662927"/>
           </a:xfrm>
           <a:prstGeom prst="rect">
             <a:avLst/>
@@ -7305,7 +7818,7 @@
     </p:spTree>
     <p:extLst>
       <p:ext uri="{BB962C8B-B14F-4D97-AF65-F5344CB8AC3E}">
-        <p14:creationId xmlns:p14="http://schemas.microsoft.com/office/powerpoint/2010/main" val="4076967850"/>
+        <p14:creationId xmlns:p14="http://schemas.microsoft.com/office/powerpoint/2010/main" val="594697700"/>
       </p:ext>
     </p:extLst>
   </p:cSld>
@@ -7365,7 +7878,7 @@
           <p:cNvPr id="4" name="내용 개체 틀 3">
             <a:extLst>
               <a:ext uri="{FF2B5EF4-FFF2-40B4-BE49-F238E27FC236}">
-                <a16:creationId xmlns:a16="http://schemas.microsoft.com/office/drawing/2014/main" id="{A2F43DB1-780E-4A6A-B012-EB4EAF0A86BA}"/>
+                <a16:creationId xmlns:a16="http://schemas.microsoft.com/office/drawing/2014/main" id="{49331C1C-AF8E-4632-B732-4CF4CF1DD9AE}"/>
               </a:ext>
             </a:extLst>
           </p:cNvPr>
@@ -7384,8 +7897,8 @@
         </p:blipFill>
         <p:spPr>
           <a:xfrm>
-            <a:off x="638709" y="1292871"/>
-            <a:ext cx="9273821" cy="484905"/>
+            <a:off x="416180" y="1556532"/>
+            <a:ext cx="11359639" cy="3744936"/>
           </a:xfrm>
           <a:prstGeom prst="rect">
             <a:avLst/>
@@ -7397,7 +7910,7 @@
           <p:cNvPr id="5" name="그림 4">
             <a:extLst>
               <a:ext uri="{FF2B5EF4-FFF2-40B4-BE49-F238E27FC236}">
-                <a16:creationId xmlns:a16="http://schemas.microsoft.com/office/drawing/2014/main" id="{64B6A9B7-0F65-4A91-B531-2B30E14C8767}"/>
+                <a16:creationId xmlns:a16="http://schemas.microsoft.com/office/drawing/2014/main" id="{E51CD57D-3DCF-409E-B6B3-AA8E473AFF85}"/>
               </a:ext>
             </a:extLst>
           </p:cNvPr>
@@ -7414,38 +7927,8 @@
         </p:blipFill>
         <p:spPr>
           <a:xfrm>
-            <a:off x="609600" y="2130871"/>
-            <a:ext cx="4550270" cy="325019"/>
-          </a:xfrm>
-          <a:prstGeom prst="rect">
-            <a:avLst/>
-          </a:prstGeom>
-        </p:spPr>
-      </p:pic>
-      <p:pic>
-        <p:nvPicPr>
-          <p:cNvPr id="6" name="그림 5">
-            <a:extLst>
-              <a:ext uri="{FF2B5EF4-FFF2-40B4-BE49-F238E27FC236}">
-                <a16:creationId xmlns:a16="http://schemas.microsoft.com/office/drawing/2014/main" id="{A308121A-E23A-47C7-A3B6-9747A14F76F6}"/>
-              </a:ext>
-            </a:extLst>
-          </p:cNvPr>
-          <p:cNvPicPr>
-            <a:picLocks noChangeAspect="1"/>
-          </p:cNvPicPr>
-          <p:nvPr/>
-        </p:nvPicPr>
-        <p:blipFill>
-          <a:blip r:embed="rId4"/>
-          <a:stretch>
-            <a:fillRect/>
-          </a:stretch>
-        </p:blipFill>
-        <p:spPr>
-          <a:xfrm>
-            <a:off x="1292018" y="2492869"/>
-            <a:ext cx="5883366" cy="3907929"/>
+            <a:off x="388135" y="5382584"/>
+            <a:ext cx="2849924" cy="638776"/>
           </a:xfrm>
           <a:prstGeom prst="rect">
             <a:avLst/>
@@ -7455,7 +7938,7 @@
     </p:spTree>
     <p:extLst>
       <p:ext uri="{BB962C8B-B14F-4D97-AF65-F5344CB8AC3E}">
-        <p14:creationId xmlns:p14="http://schemas.microsoft.com/office/powerpoint/2010/main" val="732926057"/>
+        <p14:creationId xmlns:p14="http://schemas.microsoft.com/office/powerpoint/2010/main" val="1012857361"/>
       </p:ext>
     </p:extLst>
   </p:cSld>
@@ -7512,17 +7995,19 @@
       </p:sp>
       <p:pic>
         <p:nvPicPr>
-          <p:cNvPr id="4" name="그림 3">
-            <a:extLst>
-              <a:ext uri="{FF2B5EF4-FFF2-40B4-BE49-F238E27FC236}">
-                <a16:creationId xmlns:a16="http://schemas.microsoft.com/office/drawing/2014/main" id="{A69E10D5-13B5-4E67-A513-56CC8A7107D7}"/>
+          <p:cNvPr id="4" name="내용 개체 틀 3">
+            <a:extLst>
+              <a:ext uri="{FF2B5EF4-FFF2-40B4-BE49-F238E27FC236}">
+                <a16:creationId xmlns:a16="http://schemas.microsoft.com/office/drawing/2014/main" id="{83E72D2E-0838-4572-A81B-B589393169B7}"/>
               </a:ext>
             </a:extLst>
           </p:cNvPr>
           <p:cNvPicPr>
-            <a:picLocks noChangeAspect="1"/>
+            <a:picLocks noGrp="1" noChangeAspect="1"/>
           </p:cNvPicPr>
-          <p:nvPr/>
+          <p:nvPr>
+            <p:ph idx="1"/>
+          </p:nvPr>
         </p:nvPicPr>
         <p:blipFill>
           <a:blip r:embed="rId2"/>
@@ -7532,8 +8017,68 @@
         </p:blipFill>
         <p:spPr>
           <a:xfrm>
-            <a:off x="609599" y="1340710"/>
-            <a:ext cx="9583631" cy="2808390"/>
+            <a:off x="479221" y="1455971"/>
+            <a:ext cx="9433310" cy="1687869"/>
+          </a:xfrm>
+          <a:prstGeom prst="rect">
+            <a:avLst/>
+          </a:prstGeom>
+        </p:spPr>
+      </p:pic>
+      <p:pic>
+        <p:nvPicPr>
+          <p:cNvPr id="5" name="그림 4">
+            <a:extLst>
+              <a:ext uri="{FF2B5EF4-FFF2-40B4-BE49-F238E27FC236}">
+                <a16:creationId xmlns:a16="http://schemas.microsoft.com/office/drawing/2014/main" id="{6DFC3DB6-0B33-45F8-8956-D6052E3001FD}"/>
+              </a:ext>
+            </a:extLst>
+          </p:cNvPr>
+          <p:cNvPicPr>
+            <a:picLocks noChangeAspect="1"/>
+          </p:cNvPicPr>
+          <p:nvPr/>
+        </p:nvPicPr>
+        <p:blipFill>
+          <a:blip r:embed="rId3"/>
+          <a:stretch>
+            <a:fillRect/>
+          </a:stretch>
+        </p:blipFill>
+        <p:spPr>
+          <a:xfrm>
+            <a:off x="479221" y="3143840"/>
+            <a:ext cx="6840949" cy="1407847"/>
+          </a:xfrm>
+          <a:prstGeom prst="rect">
+            <a:avLst/>
+          </a:prstGeom>
+        </p:spPr>
+      </p:pic>
+      <p:pic>
+        <p:nvPicPr>
+          <p:cNvPr id="6" name="그림 5">
+            <a:extLst>
+              <a:ext uri="{FF2B5EF4-FFF2-40B4-BE49-F238E27FC236}">
+                <a16:creationId xmlns:a16="http://schemas.microsoft.com/office/drawing/2014/main" id="{2C972CA1-13DD-487B-A2B6-466828044ED0}"/>
+              </a:ext>
+            </a:extLst>
+          </p:cNvPr>
+          <p:cNvPicPr>
+            <a:picLocks noChangeAspect="1"/>
+          </p:cNvPicPr>
+          <p:nvPr/>
+        </p:nvPicPr>
+        <p:blipFill>
+          <a:blip r:embed="rId4"/>
+          <a:stretch>
+            <a:fillRect/>
+          </a:stretch>
+        </p:blipFill>
+        <p:spPr>
+          <a:xfrm>
+            <a:off x="479221" y="4573354"/>
+            <a:ext cx="10297803" cy="1637859"/>
           </a:xfrm>
           <a:prstGeom prst="rect">
             <a:avLst/>
@@ -7543,7 +8088,7 @@
     </p:spTree>
     <p:extLst>
       <p:ext uri="{BB962C8B-B14F-4D97-AF65-F5344CB8AC3E}">
-        <p14:creationId xmlns:p14="http://schemas.microsoft.com/office/powerpoint/2010/main" val="2138842918"/>
+        <p14:creationId xmlns:p14="http://schemas.microsoft.com/office/powerpoint/2010/main" val="4076967850"/>
       </p:ext>
     </p:extLst>
   </p:cSld>
@@ -7593,7 +8138,7 @@
           <a:p>
             <a:r>
               <a:rPr lang="ko-KR" altLang="en-US" dirty="0"/>
-              <a:t>결과</a:t>
+              <a:t>코드</a:t>
             </a:r>
           </a:p>
         </p:txBody>
@@ -7603,7 +8148,7 @@
           <p:cNvPr id="4" name="내용 개체 틀 3">
             <a:extLst>
               <a:ext uri="{FF2B5EF4-FFF2-40B4-BE49-F238E27FC236}">
-                <a16:creationId xmlns:a16="http://schemas.microsoft.com/office/drawing/2014/main" id="{20AF73C9-5C31-4AED-9AF2-7B9ECB11E927}"/>
+                <a16:creationId xmlns:a16="http://schemas.microsoft.com/office/drawing/2014/main" id="{A2F43DB1-780E-4A6A-B012-EB4EAF0A86BA}"/>
               </a:ext>
             </a:extLst>
           </p:cNvPr>
@@ -7622,8 +8167,68 @@
         </p:blipFill>
         <p:spPr>
           <a:xfrm>
-            <a:off x="1415350" y="1916790"/>
-            <a:ext cx="7842173" cy="3679570"/>
+            <a:off x="638709" y="1292871"/>
+            <a:ext cx="9273821" cy="484905"/>
+          </a:xfrm>
+          <a:prstGeom prst="rect">
+            <a:avLst/>
+          </a:prstGeom>
+        </p:spPr>
+      </p:pic>
+      <p:pic>
+        <p:nvPicPr>
+          <p:cNvPr id="5" name="그림 4">
+            <a:extLst>
+              <a:ext uri="{FF2B5EF4-FFF2-40B4-BE49-F238E27FC236}">
+                <a16:creationId xmlns:a16="http://schemas.microsoft.com/office/drawing/2014/main" id="{64B6A9B7-0F65-4A91-B531-2B30E14C8767}"/>
+              </a:ext>
+            </a:extLst>
+          </p:cNvPr>
+          <p:cNvPicPr>
+            <a:picLocks noChangeAspect="1"/>
+          </p:cNvPicPr>
+          <p:nvPr/>
+        </p:nvPicPr>
+        <p:blipFill>
+          <a:blip r:embed="rId3"/>
+          <a:stretch>
+            <a:fillRect/>
+          </a:stretch>
+        </p:blipFill>
+        <p:spPr>
+          <a:xfrm>
+            <a:off x="609600" y="2130871"/>
+            <a:ext cx="4550270" cy="325019"/>
+          </a:xfrm>
+          <a:prstGeom prst="rect">
+            <a:avLst/>
+          </a:prstGeom>
+        </p:spPr>
+      </p:pic>
+      <p:pic>
+        <p:nvPicPr>
+          <p:cNvPr id="6" name="그림 5">
+            <a:extLst>
+              <a:ext uri="{FF2B5EF4-FFF2-40B4-BE49-F238E27FC236}">
+                <a16:creationId xmlns:a16="http://schemas.microsoft.com/office/drawing/2014/main" id="{A308121A-E23A-47C7-A3B6-9747A14F76F6}"/>
+              </a:ext>
+            </a:extLst>
+          </p:cNvPr>
+          <p:cNvPicPr>
+            <a:picLocks noChangeAspect="1"/>
+          </p:cNvPicPr>
+          <p:nvPr/>
+        </p:nvPicPr>
+        <p:blipFill>
+          <a:blip r:embed="rId4"/>
+          <a:stretch>
+            <a:fillRect/>
+          </a:stretch>
+        </p:blipFill>
+        <p:spPr>
+          <a:xfrm>
+            <a:off x="1292018" y="2492869"/>
+            <a:ext cx="5883366" cy="3907929"/>
           </a:xfrm>
           <a:prstGeom prst="rect">
             <a:avLst/>
@@ -7633,7 +8238,7 @@
     </p:spTree>
     <p:extLst>
       <p:ext uri="{BB962C8B-B14F-4D97-AF65-F5344CB8AC3E}">
-        <p14:creationId xmlns:p14="http://schemas.microsoft.com/office/powerpoint/2010/main" val="270924424"/>
+        <p14:creationId xmlns:p14="http://schemas.microsoft.com/office/powerpoint/2010/main" val="732926057"/>
       </p:ext>
     </p:extLst>
   </p:cSld>
@@ -7688,35 +8293,40 @@
           </a:p>
         </p:txBody>
       </p:sp>
-      <p:sp>
-        <p:nvSpPr>
-          <p:cNvPr id="3" name="내용 개체 틀 2">
-            <a:extLst>
-              <a:ext uri="{FF2B5EF4-FFF2-40B4-BE49-F238E27FC236}">
-                <a16:creationId xmlns:a16="http://schemas.microsoft.com/office/drawing/2014/main" id="{E7A70309-D464-47C2-BA34-4EE257714C47}"/>
-              </a:ext>
-            </a:extLst>
-          </p:cNvPr>
-          <p:cNvSpPr>
-            <a:spLocks noGrp="1"/>
-          </p:cNvSpPr>
-          <p:nvPr>
-            <p:ph idx="1"/>
-          </p:nvPr>
-        </p:nvSpPr>
-        <p:spPr/>
-        <p:txBody>
-          <a:bodyPr/>
-          <a:lstStyle/>
-          <a:p>
-            <a:endParaRPr lang="ko-KR" altLang="en-US"/>
-          </a:p>
-        </p:txBody>
-      </p:sp>
+      <p:pic>
+        <p:nvPicPr>
+          <p:cNvPr id="4" name="그림 3">
+            <a:extLst>
+              <a:ext uri="{FF2B5EF4-FFF2-40B4-BE49-F238E27FC236}">
+                <a16:creationId xmlns:a16="http://schemas.microsoft.com/office/drawing/2014/main" id="{A69E10D5-13B5-4E67-A513-56CC8A7107D7}"/>
+              </a:ext>
+            </a:extLst>
+          </p:cNvPr>
+          <p:cNvPicPr>
+            <a:picLocks noChangeAspect="1"/>
+          </p:cNvPicPr>
+          <p:nvPr/>
+        </p:nvPicPr>
+        <p:blipFill>
+          <a:blip r:embed="rId2"/>
+          <a:stretch>
+            <a:fillRect/>
+          </a:stretch>
+        </p:blipFill>
+        <p:spPr>
+          <a:xfrm>
+            <a:off x="609599" y="1340710"/>
+            <a:ext cx="9583631" cy="2808390"/>
+          </a:xfrm>
+          <a:prstGeom prst="rect">
+            <a:avLst/>
+          </a:prstGeom>
+        </p:spPr>
+      </p:pic>
     </p:spTree>
     <p:extLst>
       <p:ext uri="{BB962C8B-B14F-4D97-AF65-F5344CB8AC3E}">
-        <p14:creationId xmlns:p14="http://schemas.microsoft.com/office/powerpoint/2010/main" val="1936721842"/>
+        <p14:creationId xmlns:p14="http://schemas.microsoft.com/office/powerpoint/2010/main" val="2138842918"/>
       </p:ext>
     </p:extLst>
   </p:cSld>
@@ -7766,123 +8376,47 @@
           <a:p>
             <a:r>
               <a:rPr lang="ko-KR" altLang="en-US" dirty="0"/>
-              <a:t>코드</a:t>
-            </a:r>
-          </a:p>
-        </p:txBody>
-      </p:sp>
-      <p:sp>
-        <p:nvSpPr>
-          <p:cNvPr id="3" name="내용 개체 틀 2">
-            <a:extLst>
-              <a:ext uri="{FF2B5EF4-FFF2-40B4-BE49-F238E27FC236}">
-                <a16:creationId xmlns:a16="http://schemas.microsoft.com/office/drawing/2014/main" id="{E7A70309-D464-47C2-BA34-4EE257714C47}"/>
-              </a:ext>
-            </a:extLst>
-          </p:cNvPr>
-          <p:cNvSpPr>
-            <a:spLocks noGrp="1"/>
-          </p:cNvSpPr>
+              <a:t>결과</a:t>
+            </a:r>
+          </a:p>
+        </p:txBody>
+      </p:sp>
+      <p:pic>
+        <p:nvPicPr>
+          <p:cNvPr id="4" name="내용 개체 틀 3">
+            <a:extLst>
+              <a:ext uri="{FF2B5EF4-FFF2-40B4-BE49-F238E27FC236}">
+                <a16:creationId xmlns:a16="http://schemas.microsoft.com/office/drawing/2014/main" id="{20AF73C9-5C31-4AED-9AF2-7B9ECB11E927}"/>
+              </a:ext>
+            </a:extLst>
+          </p:cNvPr>
+          <p:cNvPicPr>
+            <a:picLocks noGrp="1" noChangeAspect="1"/>
+          </p:cNvPicPr>
           <p:nvPr>
             <p:ph idx="1"/>
           </p:nvPr>
-        </p:nvSpPr>
-        <p:spPr/>
-        <p:txBody>
-          <a:bodyPr/>
-          <a:lstStyle/>
-          <a:p>
-            <a:endParaRPr lang="ko-KR" altLang="en-US"/>
-          </a:p>
-        </p:txBody>
-      </p:sp>
+        </p:nvPicPr>
+        <p:blipFill>
+          <a:blip r:embed="rId2"/>
+          <a:stretch>
+            <a:fillRect/>
+          </a:stretch>
+        </p:blipFill>
+        <p:spPr>
+          <a:xfrm>
+            <a:off x="1415350" y="1916790"/>
+            <a:ext cx="7842173" cy="3679570"/>
+          </a:xfrm>
+          <a:prstGeom prst="rect">
+            <a:avLst/>
+          </a:prstGeom>
+        </p:spPr>
+      </p:pic>
     </p:spTree>
     <p:extLst>
       <p:ext uri="{BB962C8B-B14F-4D97-AF65-F5344CB8AC3E}">
-        <p14:creationId xmlns:p14="http://schemas.microsoft.com/office/powerpoint/2010/main" val="2952253183"/>
-      </p:ext>
-    </p:extLst>
-  </p:cSld>
-  <p:clrMapOvr>
-    <a:masterClrMapping/>
-  </p:clrMapOvr>
-</p:sld>
-</file>
-
-<file path=ppt/slides/slide29.xml><?xml version="1.0" encoding="utf-8"?>
-<p:sld xmlns:a="http://schemas.openxmlformats.org/drawingml/2006/main" xmlns:r="http://schemas.openxmlformats.org/officeDocument/2006/relationships" xmlns:p="http://schemas.openxmlformats.org/presentationml/2006/main">
-  <p:cSld>
-    <p:spTree>
-      <p:nvGrpSpPr>
-        <p:cNvPr id="1" name=""/>
-        <p:cNvGrpSpPr/>
-        <p:nvPr/>
-      </p:nvGrpSpPr>
-      <p:grpSpPr>
-        <a:xfrm>
-          <a:off x="0" y="0"/>
-          <a:ext cx="0" cy="0"/>
-          <a:chOff x="0" y="0"/>
-          <a:chExt cx="0" cy="0"/>
-        </a:xfrm>
-      </p:grpSpPr>
-      <p:sp>
-        <p:nvSpPr>
-          <p:cNvPr id="2" name="제목 1">
-            <a:extLst>
-              <a:ext uri="{FF2B5EF4-FFF2-40B4-BE49-F238E27FC236}">
-                <a16:creationId xmlns:a16="http://schemas.microsoft.com/office/drawing/2014/main" id="{6A652AD8-5707-4DB0-8331-3D797AE78149}"/>
-              </a:ext>
-            </a:extLst>
-          </p:cNvPr>
-          <p:cNvSpPr>
-            <a:spLocks noGrp="1"/>
-          </p:cNvSpPr>
-          <p:nvPr>
-            <p:ph type="title"/>
-          </p:nvPr>
-        </p:nvSpPr>
-        <p:spPr/>
-        <p:txBody>
-          <a:bodyPr/>
-          <a:lstStyle/>
-          <a:p>
-            <a:r>
-              <a:rPr lang="ko-KR" altLang="en-US" dirty="0"/>
-              <a:t>코드</a:t>
-            </a:r>
-          </a:p>
-        </p:txBody>
-      </p:sp>
-      <p:sp>
-        <p:nvSpPr>
-          <p:cNvPr id="3" name="내용 개체 틀 2">
-            <a:extLst>
-              <a:ext uri="{FF2B5EF4-FFF2-40B4-BE49-F238E27FC236}">
-                <a16:creationId xmlns:a16="http://schemas.microsoft.com/office/drawing/2014/main" id="{E7A70309-D464-47C2-BA34-4EE257714C47}"/>
-              </a:ext>
-            </a:extLst>
-          </p:cNvPr>
-          <p:cNvSpPr>
-            <a:spLocks noGrp="1"/>
-          </p:cNvSpPr>
-          <p:nvPr>
-            <p:ph idx="1"/>
-          </p:nvPr>
-        </p:nvSpPr>
-        <p:spPr/>
-        <p:txBody>
-          <a:bodyPr/>
-          <a:lstStyle/>
-          <a:p>
-            <a:endParaRPr lang="ko-KR" altLang="en-US"/>
-          </a:p>
-        </p:txBody>
-      </p:sp>
-    </p:spTree>
-    <p:extLst>
-      <p:ext uri="{BB962C8B-B14F-4D97-AF65-F5344CB8AC3E}">
-        <p14:creationId xmlns:p14="http://schemas.microsoft.com/office/powerpoint/2010/main" val="548222163"/>
+        <p14:creationId xmlns:p14="http://schemas.microsoft.com/office/powerpoint/2010/main" val="270924424"/>
       </p:ext>
     </p:extLst>
   </p:cSld>
